--- a/课程学习/LS02/ch02.pptx
+++ b/课程学习/LS02/ch02.pptx
@@ -5,27 +5,27 @@
     <p:sldMasterId id="2147483648" r:id="rId1"/>
   </p:sldMasterIdLst>
   <p:notesMasterIdLst>
-    <p:notesMasterId r:id="rId4"/>
+    <p:notesMasterId r:id="rId20"/>
   </p:notesMasterIdLst>
   <p:sldIdLst>
-    <p:sldId id="883" r:id="rId3"/>
-    <p:sldId id="1065" r:id="rId5"/>
-    <p:sldId id="884" r:id="rId6"/>
-    <p:sldId id="991" r:id="rId7"/>
-    <p:sldId id="891" r:id="rId8"/>
-    <p:sldId id="1127" r:id="rId9"/>
-    <p:sldId id="1066" r:id="rId10"/>
-    <p:sldId id="1037" r:id="rId11"/>
-    <p:sldId id="1071" r:id="rId12"/>
-    <p:sldId id="1072" r:id="rId13"/>
-    <p:sldId id="1096" r:id="rId14"/>
-    <p:sldId id="1129" r:id="rId15"/>
-    <p:sldId id="1130" r:id="rId16"/>
-    <p:sldId id="1131" r:id="rId17"/>
-    <p:sldId id="927" r:id="rId18"/>
-    <p:sldId id="929" r:id="rId19"/>
-    <p:sldId id="1025" r:id="rId20"/>
-    <p:sldId id="897" r:id="rId21"/>
+    <p:sldId id="883" r:id="rId2"/>
+    <p:sldId id="1065" r:id="rId3"/>
+    <p:sldId id="884" r:id="rId4"/>
+    <p:sldId id="991" r:id="rId5"/>
+    <p:sldId id="891" r:id="rId6"/>
+    <p:sldId id="1127" r:id="rId7"/>
+    <p:sldId id="1066" r:id="rId8"/>
+    <p:sldId id="1037" r:id="rId9"/>
+    <p:sldId id="1071" r:id="rId10"/>
+    <p:sldId id="1072" r:id="rId11"/>
+    <p:sldId id="1096" r:id="rId12"/>
+    <p:sldId id="1129" r:id="rId13"/>
+    <p:sldId id="1130" r:id="rId14"/>
+    <p:sldId id="1131" r:id="rId15"/>
+    <p:sldId id="927" r:id="rId16"/>
+    <p:sldId id="929" r:id="rId17"/>
+    <p:sldId id="1025" r:id="rId18"/>
+    <p:sldId id="897" r:id="rId19"/>
   </p:sldIdLst>
   <p:sldSz cx="12192000" cy="6858000"/>
   <p:notesSz cx="6797675" cy="9928225"/>
@@ -154,6 +154,41 @@
       </a:defRPr>
     </a:lvl9pPr>
   </p:defaultTextStyle>
+  <p:extLst>
+    <p:ext uri="{EFAFB233-063F-42B5-8137-9DF3F51BA10A}">
+      <p15:sldGuideLst xmlns:p15="http://schemas.microsoft.com/office/powerpoint/2012/main">
+        <p15:guide id="1" orient="horz" pos="1547">
+          <p15:clr>
+            <a:srgbClr val="A4A3A4"/>
+          </p15:clr>
+        </p15:guide>
+        <p15:guide id="2" pos="1856">
+          <p15:clr>
+            <a:srgbClr val="A4A3A4"/>
+          </p15:clr>
+        </p15:guide>
+        <p15:guide id="3" pos="7519">
+          <p15:clr>
+            <a:srgbClr val="A4A3A4"/>
+          </p15:clr>
+        </p15:guide>
+      </p15:sldGuideLst>
+    </p:ext>
+    <p:ext uri="{2D200454-40CA-4A62-9FC3-DE9A4176ACB9}">
+      <p15:notesGuideLst xmlns:p15="http://schemas.microsoft.com/office/powerpoint/2012/main">
+        <p15:guide id="1" orient="horz" pos="3126">
+          <p15:clr>
+            <a:srgbClr val="A4A3A4"/>
+          </p15:clr>
+        </p15:guide>
+        <p15:guide id="2" pos="2099">
+          <p15:clr>
+            <a:srgbClr val="A4A3A4"/>
+          </p15:clr>
+        </p15:guide>
+      </p15:notesGuideLst>
+    </p:ext>
+  </p:extLst>
 </p:presentation>
 </file>
 
@@ -339,42 +374,37 @@
           <a:p>
             <a:pPr lvl="0"/>
             <a:r>
-              <a:rPr lang="zh-CN" altLang="zh-CN" noProof="0" smtClean="0"/>
+              <a:rPr lang="zh-CN" altLang="zh-CN" noProof="0"/>
               <a:t>                                                   </a:t>
             </a:r>
-            <a:endParaRPr lang="zh-CN" altLang="zh-CN" noProof="0" smtClean="0"/>
           </a:p>
           <a:p>
             <a:pPr lvl="1"/>
             <a:r>
-              <a:rPr lang="zh-CN" altLang="zh-CN" noProof="0" smtClean="0"/>
+              <a:rPr lang="zh-CN" altLang="zh-CN" noProof="0"/>
               <a:t>               </a:t>
             </a:r>
-            <a:endParaRPr lang="zh-CN" altLang="zh-CN" noProof="0" smtClean="0"/>
           </a:p>
           <a:p>
             <a:pPr lvl="2"/>
             <a:r>
-              <a:rPr lang="zh-CN" altLang="zh-CN" noProof="0" smtClean="0"/>
+              <a:rPr lang="zh-CN" altLang="zh-CN" noProof="0"/>
               <a:t>                </a:t>
             </a:r>
-            <a:endParaRPr lang="zh-CN" altLang="zh-CN" noProof="0" smtClean="0"/>
           </a:p>
           <a:p>
             <a:pPr lvl="3"/>
             <a:r>
-              <a:rPr lang="zh-CN" altLang="zh-CN" noProof="0" smtClean="0"/>
+              <a:rPr lang="zh-CN" altLang="zh-CN" noProof="0"/>
               <a:t>                </a:t>
             </a:r>
-            <a:endParaRPr lang="zh-CN" altLang="zh-CN" noProof="0" smtClean="0"/>
           </a:p>
           <a:p>
             <a:pPr lvl="4"/>
             <a:r>
-              <a:rPr lang="zh-CN" altLang="zh-CN" noProof="0" smtClean="0"/>
+              <a:rPr lang="zh-CN" altLang="zh-CN" noProof="0"/>
               <a:t>                </a:t>
             </a:r>
-            <a:endParaRPr lang="zh-CN" altLang="zh-CN" noProof="0" smtClean="0"/>
           </a:p>
         </p:txBody>
       </p:sp>
@@ -460,6 +490,7 @@
             </a:pPr>
             <a:fld id="{50FA7BE5-9B7D-4F20-881C-9A0B90E6FF72}" type="slidenum">
               <a:rPr lang="zh-CN" altLang="zh-CN"/>
+              <a:t>‹#›</a:t>
             </a:fld>
             <a:endParaRPr lang="zh-CN" altLang="zh-CN"/>
           </a:p>
@@ -661,6 +692,7 @@
             </a:pPr>
             <a:fld id="{50FA7BE5-9B7D-4F20-881C-9A0B90E6FF72}" type="slidenum">
               <a:rPr lang="zh-CN" altLang="zh-CN" smtClean="0"/>
+              <a:t>1</a:t>
             </a:fld>
             <a:endParaRPr lang="zh-CN" altLang="zh-CN"/>
           </a:p>
@@ -719,10 +751,9 @@
           <a:lstStyle/>
           <a:p>
             <a:r>
-              <a:rPr lang="zh-CN" altLang="en-US" dirty="0" smtClean="0"/>
+              <a:rPr lang="zh-CN" altLang="en-US" dirty="0"/>
               <a:t>脚本语言是由传统编程语言简化而来的语言，因此有很多相似之处。</a:t>
             </a:r>
-            <a:endParaRPr lang="zh-CN" altLang="en-US" dirty="0"/>
           </a:p>
         </p:txBody>
       </p:sp>
@@ -746,6 +777,7 @@
             </a:pPr>
             <a:fld id="{50FA7BE5-9B7D-4F20-881C-9A0B90E6FF72}" type="slidenum">
               <a:rPr lang="zh-CN" altLang="zh-CN" smtClean="0"/>
+              <a:t>14</a:t>
             </a:fld>
             <a:endParaRPr lang="zh-CN" altLang="zh-CN"/>
           </a:p>
@@ -874,6 +906,7 @@
             </a:pPr>
             <a:fld id="{50FA7BE5-9B7D-4F20-881C-9A0B90E6FF72}" type="slidenum">
               <a:rPr lang="zh-CN" altLang="zh-CN" smtClean="0"/>
+              <a:t>15</a:t>
             </a:fld>
             <a:endParaRPr lang="zh-CN" altLang="zh-CN"/>
           </a:p>
@@ -955,6 +988,7 @@
             </a:pPr>
             <a:fld id="{50FA7BE5-9B7D-4F20-881C-9A0B90E6FF72}" type="slidenum">
               <a:rPr lang="zh-CN" altLang="zh-CN" smtClean="0"/>
+              <a:t>16</a:t>
             </a:fld>
             <a:endParaRPr lang="zh-CN" altLang="zh-CN"/>
           </a:p>
@@ -1041,6 +1075,7 @@
             </a:pPr>
             <a:fld id="{50FA7BE5-9B7D-4F20-881C-9A0B90E6FF72}" type="slidenum">
               <a:rPr lang="zh-CN" altLang="zh-CN" smtClean="0"/>
+              <a:t>18</a:t>
             </a:fld>
             <a:endParaRPr lang="zh-CN" altLang="zh-CN"/>
           </a:p>
@@ -1099,10 +1134,9 @@
           <a:lstStyle/>
           <a:p>
             <a:r>
-              <a:rPr lang="zh-CN" altLang="en-US" dirty="0" smtClean="0"/>
+              <a:rPr lang="zh-CN" altLang="en-US" dirty="0"/>
               <a:t>脚本语言是由传统编程语言简化而来的语言，因此有很多相似之处。</a:t>
             </a:r>
-            <a:endParaRPr lang="zh-CN" altLang="en-US" dirty="0" smtClean="0"/>
           </a:p>
           <a:p>
             <a:endParaRPr lang="zh-CN" altLang="en-US" dirty="0"/>
@@ -1129,6 +1163,7 @@
             </a:pPr>
             <a:fld id="{50FA7BE5-9B7D-4F20-881C-9A0B90E6FF72}" type="slidenum">
               <a:rPr lang="zh-CN" altLang="zh-CN" smtClean="0"/>
+              <a:t>4</a:t>
             </a:fld>
             <a:endParaRPr lang="zh-CN" altLang="zh-CN"/>
           </a:p>
@@ -1210,6 +1245,7 @@
             </a:pPr>
             <a:fld id="{50FA7BE5-9B7D-4F20-881C-9A0B90E6FF72}" type="slidenum">
               <a:rPr lang="zh-CN" altLang="zh-CN" smtClean="0"/>
+              <a:t>5</a:t>
             </a:fld>
             <a:endParaRPr lang="zh-CN" altLang="zh-CN"/>
           </a:p>
@@ -1268,10 +1304,9 @@
           <a:lstStyle/>
           <a:p>
             <a:r>
-              <a:rPr lang="zh-CN" altLang="en-US" dirty="0" smtClean="0"/>
+              <a:rPr lang="zh-CN" altLang="en-US" dirty="0"/>
               <a:t>脚本语言是由传统编程语言简化而来的语言，因此有很多相似之处。</a:t>
             </a:r>
-            <a:endParaRPr lang="zh-CN" altLang="en-US" dirty="0"/>
           </a:p>
         </p:txBody>
       </p:sp>
@@ -1295,6 +1330,7 @@
             </a:pPr>
             <a:fld id="{50FA7BE5-9B7D-4F20-881C-9A0B90E6FF72}" type="slidenum">
               <a:rPr lang="zh-CN" altLang="zh-CN" smtClean="0"/>
+              <a:t>6</a:t>
             </a:fld>
             <a:endParaRPr lang="zh-CN" altLang="zh-CN"/>
           </a:p>
@@ -1472,6 +1508,7 @@
             </a:pPr>
             <a:fld id="{50FA7BE5-9B7D-4F20-881C-9A0B90E6FF72}" type="slidenum">
               <a:rPr lang="zh-CN" altLang="zh-CN" smtClean="0"/>
+              <a:t>8</a:t>
             </a:fld>
             <a:endParaRPr lang="zh-CN" altLang="zh-CN"/>
           </a:p>
@@ -1649,6 +1686,7 @@
             </a:pPr>
             <a:fld id="{50FA7BE5-9B7D-4F20-881C-9A0B90E6FF72}" type="slidenum">
               <a:rPr lang="zh-CN" altLang="zh-CN" smtClean="0"/>
+              <a:t>9</a:t>
             </a:fld>
             <a:endParaRPr lang="zh-CN" altLang="zh-CN"/>
           </a:p>
@@ -1710,7 +1748,6 @@
               <a:rPr lang="zh-CN" altLang="en-US" dirty="0"/>
               <a:t>生日蛋糕包装</a:t>
             </a:r>
-            <a:endParaRPr lang="zh-CN" altLang="en-US" dirty="0"/>
           </a:p>
         </p:txBody>
       </p:sp>
@@ -1734,6 +1771,7 @@
             </a:pPr>
             <a:fld id="{50FA7BE5-9B7D-4F20-881C-9A0B90E6FF72}" type="slidenum">
               <a:rPr lang="zh-CN" altLang="zh-CN" smtClean="0"/>
+              <a:t>10</a:t>
             </a:fld>
             <a:endParaRPr lang="zh-CN" altLang="zh-CN"/>
           </a:p>
@@ -1792,10 +1830,9 @@
           <a:lstStyle/>
           <a:p>
             <a:r>
-              <a:rPr lang="zh-CN" altLang="en-US" dirty="0" smtClean="0"/>
+              <a:rPr lang="zh-CN" altLang="en-US" dirty="0"/>
               <a:t>脚本语言是由传统编程语言简化而来的语言，因此有很多相似之处。</a:t>
             </a:r>
-            <a:endParaRPr lang="zh-CN" altLang="en-US" dirty="0"/>
           </a:p>
         </p:txBody>
       </p:sp>
@@ -1819,6 +1856,7 @@
             </a:pPr>
             <a:fld id="{50FA7BE5-9B7D-4F20-881C-9A0B90E6FF72}" type="slidenum">
               <a:rPr lang="zh-CN" altLang="zh-CN" smtClean="0"/>
+              <a:t>12</a:t>
             </a:fld>
             <a:endParaRPr lang="zh-CN" altLang="zh-CN"/>
           </a:p>
@@ -1877,10 +1915,9 @@
           <a:lstStyle/>
           <a:p>
             <a:r>
-              <a:rPr lang="zh-CN" altLang="en-US" dirty="0" smtClean="0"/>
+              <a:rPr lang="zh-CN" altLang="en-US" dirty="0"/>
               <a:t>脚本语言是由传统编程语言简化而来的语言，因此有很多相似之处。</a:t>
             </a:r>
-            <a:endParaRPr lang="zh-CN" altLang="en-US" dirty="0"/>
           </a:p>
         </p:txBody>
       </p:sp>
@@ -1904,6 +1941,7 @@
             </a:pPr>
             <a:fld id="{50FA7BE5-9B7D-4F20-881C-9A0B90E6FF72}" type="slidenum">
               <a:rPr lang="zh-CN" altLang="zh-CN" smtClean="0"/>
+              <a:t>13</a:t>
             </a:fld>
             <a:endParaRPr lang="zh-CN" altLang="zh-CN"/>
           </a:p>
@@ -1996,34 +2034,30 @@
           <a:p>
             <a:pPr lvl="0"/>
             <a:r>
-              <a:rPr lang="zh-CN" altLang="en-US" dirty="0" smtClean="0"/>
+              <a:rPr lang="zh-CN" altLang="en-US" dirty="0"/>
               <a:t>单击此处编辑母版文本样式</a:t>
             </a:r>
-            <a:endParaRPr lang="zh-CN" altLang="en-US" dirty="0" smtClean="0"/>
           </a:p>
           <a:p>
             <a:pPr lvl="1"/>
             <a:r>
-              <a:rPr lang="zh-CN" altLang="en-US" dirty="0" smtClean="0"/>
+              <a:rPr lang="zh-CN" altLang="en-US" dirty="0"/>
               <a:t>第二级</a:t>
             </a:r>
-            <a:endParaRPr lang="zh-CN" altLang="en-US" dirty="0" smtClean="0"/>
           </a:p>
           <a:p>
             <a:pPr lvl="2"/>
             <a:r>
-              <a:rPr lang="zh-CN" altLang="en-US" dirty="0" smtClean="0"/>
+              <a:rPr lang="zh-CN" altLang="en-US" dirty="0"/>
               <a:t>第三级</a:t>
             </a:r>
-            <a:endParaRPr lang="zh-CN" altLang="en-US" dirty="0" smtClean="0"/>
           </a:p>
           <a:p>
             <a:pPr lvl="3"/>
             <a:r>
-              <a:rPr lang="zh-CN" altLang="en-US" dirty="0" smtClean="0"/>
+              <a:rPr lang="zh-CN" altLang="en-US" dirty="0"/>
               <a:t>第四级</a:t>
             </a:r>
-            <a:endParaRPr lang="zh-CN" altLang="en-US" dirty="0" smtClean="0"/>
           </a:p>
         </p:txBody>
       </p:sp>
@@ -2082,10 +2116,9 @@
           <a:p>
             <a:pPr lvl="0"/>
             <a:r>
-              <a:rPr lang="zh-CN" altLang="en-US" dirty="0" smtClean="0"/>
+              <a:rPr lang="zh-CN" altLang="en-US" dirty="0"/>
               <a:t>单击此处编辑母版文本样式</a:t>
             </a:r>
-            <a:endParaRPr lang="zh-CN" altLang="en-US" dirty="0" smtClean="0"/>
           </a:p>
         </p:txBody>
       </p:sp>
@@ -2138,6 +2171,7 @@
             </a:pPr>
             <a:fld id="{4BCD4F28-99F7-483B-9A2D-5E3B2E8C9EEF}" type="slidenum">
               <a:rPr lang="zh-CN" altLang="zh-CN"/>
+              <a:t>‹#›</a:t>
             </a:fld>
             <a:endParaRPr lang="zh-CN" altLang="zh-CN" sz="3200" b="0"/>
           </a:p>
@@ -2218,34 +2252,30 @@
           <a:p>
             <a:pPr lvl="0"/>
             <a:r>
-              <a:rPr lang="zh-CN" altLang="en-US" dirty="0" smtClean="0"/>
+              <a:rPr lang="zh-CN" altLang="en-US" dirty="0"/>
               <a:t>单击此处编辑母版文本样式</a:t>
             </a:r>
-            <a:endParaRPr lang="zh-CN" altLang="en-US" dirty="0" smtClean="0"/>
           </a:p>
           <a:p>
             <a:pPr lvl="1"/>
             <a:r>
-              <a:rPr lang="zh-CN" altLang="en-US" dirty="0" smtClean="0"/>
+              <a:rPr lang="zh-CN" altLang="en-US" dirty="0"/>
               <a:t>第二级</a:t>
             </a:r>
-            <a:endParaRPr lang="zh-CN" altLang="en-US" dirty="0" smtClean="0"/>
           </a:p>
           <a:p>
             <a:pPr lvl="2"/>
             <a:r>
-              <a:rPr lang="zh-CN" altLang="en-US" dirty="0" smtClean="0"/>
+              <a:rPr lang="zh-CN" altLang="en-US" dirty="0"/>
               <a:t>第三级</a:t>
             </a:r>
-            <a:endParaRPr lang="zh-CN" altLang="en-US" dirty="0" smtClean="0"/>
           </a:p>
           <a:p>
             <a:pPr lvl="3"/>
             <a:r>
-              <a:rPr lang="zh-CN" altLang="en-US" dirty="0" smtClean="0"/>
+              <a:rPr lang="zh-CN" altLang="en-US" dirty="0"/>
               <a:t>第四级</a:t>
             </a:r>
-            <a:endParaRPr lang="zh-CN" altLang="en-US" dirty="0" smtClean="0"/>
           </a:p>
         </p:txBody>
       </p:sp>
@@ -2304,10 +2334,9 @@
           <a:p>
             <a:pPr lvl="0"/>
             <a:r>
-              <a:rPr lang="zh-CN" altLang="en-US" dirty="0" smtClean="0"/>
+              <a:rPr lang="zh-CN" altLang="en-US" dirty="0"/>
               <a:t>单击此处编辑母版文本样式</a:t>
             </a:r>
-            <a:endParaRPr lang="zh-CN" altLang="en-US" dirty="0" smtClean="0"/>
           </a:p>
         </p:txBody>
       </p:sp>
@@ -2368,6 +2397,7 @@
             </a:pPr>
             <a:fld id="{4BCD4F28-99F7-483B-9A2D-5E3B2E8C9EEF}" type="slidenum">
               <a:rPr lang="zh-CN" altLang="zh-CN"/>
+              <a:t>‹#›</a:t>
             </a:fld>
             <a:endParaRPr lang="zh-CN" altLang="zh-CN" sz="3200" b="0"/>
           </a:p>
@@ -2382,7 +2412,7 @@
 </file>
 
 <file path=ppt/slideLayouts/slideLayout5.xml><?xml version="1.0" encoding="utf-8"?>
-<p:sldLayout xmlns:a="http://schemas.openxmlformats.org/drawingml/2006/main" xmlns:r="http://schemas.openxmlformats.org/officeDocument/2006/relationships" xmlns:p="http://schemas.openxmlformats.org/presentationml/2006/main" preserve="1" showMasterSp="0" userDrawn="1">
+<p:sldLayout xmlns:a="http://schemas.openxmlformats.org/drawingml/2006/main" xmlns:r="http://schemas.openxmlformats.org/officeDocument/2006/relationships" xmlns:p="http://schemas.openxmlformats.org/presentationml/2006/main" showMasterSp="0" preserve="1" userDrawn="1">
   <p:cSld name="标题幻灯片">
     <p:spTree>
       <p:nvGrpSpPr>
@@ -2558,10 +2588,9 @@
           <a:p>
             <a:pPr lvl="0"/>
             <a:r>
-              <a:rPr lang="zh-CN" altLang="en-US" dirty="0" smtClean="0"/>
+              <a:rPr lang="zh-CN" altLang="en-US" dirty="0"/>
               <a:t>单击此处编辑母版标题样式</a:t>
             </a:r>
-            <a:endParaRPr lang="zh-CN" altLang="en-US" dirty="0" smtClean="0"/>
           </a:p>
         </p:txBody>
       </p:sp>
@@ -2570,13 +2599,6 @@
   <p:clrMapOvr>
     <a:masterClrMapping/>
   </p:clrMapOvr>
-  <p:timing>
-    <p:tnLst>
-      <p:par>
-        <p:cTn id="1" dur="indefinite" restart="never" nodeType="tmRoot"/>
-      </p:par>
-    </p:tnLst>
-  </p:timing>
 </p:sldLayout>
 </file>
 
@@ -2586,7 +2608,7 @@
     <p:bg bwMode="auto">
       <p:bgPr>
         <a:blipFill dpi="0" rotWithShape="0">
-          <a:blip r:embed="rId6" cstate="print"/>
+          <a:blip r:embed="rId7" cstate="print"/>
           <a:srcRect/>
           <a:stretch>
             <a:fillRect/>
@@ -2649,6 +2671,7 @@
             </a:pPr>
             <a:fld id="{2A4DE254-CAD5-4B8E-9712-9468A839C993}" type="slidenum">
               <a:rPr lang="zh-CN" altLang="zh-CN"/>
+              <a:t>‹#›</a:t>
             </a:fld>
             <a:endParaRPr lang="zh-CN" altLang="zh-CN"/>
           </a:p>
@@ -2663,7 +2686,7 @@
           <p:nvPr/>
         </p:nvPicPr>
         <p:blipFill>
-          <a:blip r:embed="rId7" cstate="print">
+          <a:blip r:embed="rId8" cstate="print">
             <a:extLst>
               <a:ext uri="{28A0092B-C50C-407E-A947-70E740481C1C}">
                 <a14:useLocalDpi xmlns:a14="http://schemas.microsoft.com/office/drawing/2010/main" val="0"/>
@@ -2717,7 +2740,7 @@
           <p:nvPr/>
         </p:nvPicPr>
         <p:blipFill>
-          <a:blip r:embed="rId8" cstate="print">
+          <a:blip r:embed="rId9" cstate="print">
             <a:extLst>
               <a:ext uri="{28A0092B-C50C-407E-A947-70E740481C1C}">
                 <a14:useLocalDpi xmlns:a14="http://schemas.microsoft.com/office/drawing/2010/main" val="0"/>
@@ -2772,13 +2795,6 @@
     <p:sldLayoutId id="2147483652" r:id="rId4"/>
     <p:sldLayoutId id="2147483653" r:id="rId5"/>
   </p:sldLayoutIdLst>
-  <p:timing>
-    <p:tnLst>
-      <p:par>
-        <p:cTn id="1" dur="indefinite" restart="never" nodeType="tmRoot"/>
-      </p:par>
-    </p:tnLst>
-  </p:timing>
   <p:txStyles>
     <p:titleStyle>
       <a:lvl1pPr algn="l" rtl="0" eaLnBrk="0" fontAlgn="base" hangingPunct="0">
@@ -3218,7 +3234,7 @@
           <p:nvPr/>
         </p:nvPicPr>
         <p:blipFill>
-          <a:blip r:embed="rId1" cstate="print">
+          <a:blip r:embed="rId3" cstate="print">
             <a:extLst>
               <a:ext uri="{28A0092B-C50C-407E-A947-70E740481C1C}">
                 <a14:useLocalDpi xmlns:a14="http://schemas.microsoft.com/office/drawing/2010/main" val="0"/>
@@ -3315,7 +3331,6 @@
               <a:rPr lang="zh-CN" altLang="en-US" sz="4800" b="1" dirty="0"/>
               <a:t>进阶</a:t>
             </a:r>
-            <a:endParaRPr lang="zh-CN" altLang="en-US" sz="4800" b="1" dirty="0"/>
           </a:p>
         </p:txBody>
       </p:sp>
@@ -3380,7 +3395,7 @@
           <p:nvPr/>
         </p:nvPicPr>
         <p:blipFill>
-          <a:blip r:embed="rId2" cstate="print">
+          <a:blip r:embed="rId4" cstate="print">
             <a:extLst>
               <a:ext uri="{28A0092B-C50C-407E-A947-70E740481C1C}">
                 <a14:useLocalDpi xmlns:a14="http://schemas.microsoft.com/office/drawing/2010/main" val="0"/>
@@ -3431,13 +3446,6 @@
     <a:masterClrMapping/>
   </p:clrMapOvr>
   <p:transition advClick="0"/>
-  <p:timing>
-    <p:tnLst>
-      <p:par>
-        <p:cTn id="1" dur="indefinite" restart="never" nodeType="tmRoot"/>
-      </p:par>
-    </p:tnLst>
-  </p:timing>
 </p:sld>
 </file>
 
@@ -3714,7 +3722,7 @@
             <a:r>
               <a:rPr lang="zh-CN" altLang="en-US" sz="3200" dirty="0">
                 <a:solidFill>
-                  <a:schemeClr val="tx1"/>
+                  <a:srgbClr val="00B050"/>
                 </a:solidFill>
               </a:rPr>
               <a:t>临时对象在使用之后立即释放</a:t>
@@ -3871,12 +3879,6 @@
               </a:rPr>
               <a:t>undefined</a:t>
             </a:r>
-            <a:endParaRPr lang="en-US" altLang="zh-CN" sz="2000" dirty="0">
-              <a:solidFill>
-                <a:schemeClr val="tx1"/>
-              </a:solidFill>
-              <a:sym typeface="+mn-ea"/>
-            </a:endParaRPr>
           </a:p>
           <a:p>
             <a:pPr>
@@ -3939,26 +3941,25 @@
           <a:lstStyle/>
           <a:p>
             <a:r>
-              <a:rPr lang="zh-CN" altLang="en-US" dirty="0" smtClean="0"/>
+              <a:rPr lang="zh-CN" altLang="en-US" dirty="0"/>
               <a:t>包装对象（参见《深入理解</a:t>
             </a:r>
             <a:r>
-              <a:rPr lang="en-US" altLang="zh-CN" dirty="0" smtClean="0"/>
+              <a:rPr lang="en-US" altLang="zh-CN" dirty="0"/>
               <a:t>JS</a:t>
             </a:r>
             <a:r>
-              <a:rPr lang="zh-CN" altLang="en-US" dirty="0" smtClean="0"/>
+              <a:rPr lang="zh-CN" altLang="en-US" dirty="0"/>
               <a:t>》</a:t>
             </a:r>
             <a:r>
-              <a:rPr lang="en-US" altLang="zh-CN" dirty="0" smtClean="0"/>
+              <a:rPr lang="en-US" altLang="zh-CN" dirty="0"/>
               <a:t>8.4</a:t>
             </a:r>
             <a:r>
-              <a:rPr lang="zh-CN" altLang="en-US" dirty="0" smtClean="0"/>
+              <a:rPr lang="zh-CN" altLang="en-US" dirty="0"/>
               <a:t>节）</a:t>
             </a:r>
-            <a:endParaRPr lang="zh-CN" altLang="en-US" dirty="0" smtClean="0"/>
           </a:p>
         </p:txBody>
       </p:sp>
@@ -4005,13 +4006,45 @@
               </a:rPr>
               <a:t>demo10</a:t>
             </a:r>
-            <a:endParaRPr lang="en-US" altLang="zh-CN" sz="2200">
-              <a:solidFill>
-                <a:srgbClr val="FF0000"/>
-              </a:solidFill>
-              <a:latin typeface="+mn-ea"/>
-              <a:ea typeface="+mn-ea"/>
-            </a:endParaRPr>
+          </a:p>
+        </p:txBody>
+      </p:sp>
+      <p:sp>
+        <p:nvSpPr>
+          <p:cNvPr id="5" name="文本框 4">
+            <a:extLst>
+              <a:ext uri="{FF2B5EF4-FFF2-40B4-BE49-F238E27FC236}">
+                <a16:creationId xmlns:a16="http://schemas.microsoft.com/office/drawing/2014/main" id="{822683F5-FDD1-482F-82C5-40DFB6F2F502}"/>
+              </a:ext>
+            </a:extLst>
+          </p:cNvPr>
+          <p:cNvSpPr txBox="1"/>
+          <p:nvPr/>
+        </p:nvSpPr>
+        <p:spPr>
+          <a:xfrm>
+            <a:off x="407368" y="4221088"/>
+            <a:ext cx="1080120" cy="338554"/>
+          </a:xfrm>
+          <a:prstGeom prst="rect">
+            <a:avLst/>
+          </a:prstGeom>
+          <a:noFill/>
+        </p:spPr>
+        <p:txBody>
+          <a:bodyPr wrap="square" rtlCol="0">
+            <a:spAutoFit/>
+          </a:bodyPr>
+          <a:lstStyle/>
+          <a:p>
+            <a:r>
+              <a:rPr lang="zh-CN" altLang="en-US" sz="1600" dirty="0">
+                <a:solidFill>
+                  <a:srgbClr val="7030A0"/>
+                </a:solidFill>
+              </a:rPr>
+              <a:t>注：</a:t>
+            </a:r>
           </a:p>
         </p:txBody>
       </p:sp>
@@ -4020,13 +4053,6 @@
   <p:clrMapOvr>
     <a:masterClrMapping/>
   </p:clrMapOvr>
-  <p:timing>
-    <p:tnLst>
-      <p:par>
-        <p:cTn id="1" dur="indefinite" restart="never" nodeType="tmRoot"/>
-      </p:par>
-    </p:tnLst>
-  </p:timing>
 </p:sld>
 </file>
 
@@ -4247,10 +4273,9 @@
           </a:lstStyle>
           <a:p>
             <a:r>
-              <a:rPr lang="zh-CN" dirty="0" smtClean="0"/>
+              <a:rPr lang="zh-CN" dirty="0"/>
               <a:t>内容刚要</a:t>
             </a:r>
-            <a:endParaRPr lang="zh-CN" dirty="0" smtClean="0"/>
           </a:p>
         </p:txBody>
       </p:sp>
@@ -4432,11 +4457,6 @@
               </a:rPr>
               <a:t>的数据类型</a:t>
             </a:r>
-            <a:endParaRPr lang="zh-CN" altLang="en-US" sz="2800" b="1">
-              <a:solidFill>
-                <a:schemeClr val="tx1"/>
-              </a:solidFill>
-            </a:endParaRPr>
           </a:p>
           <a:p>
             <a:pPr>
@@ -4463,11 +4483,6 @@
               </a:rPr>
               <a:t>不同类型的值</a:t>
             </a:r>
-            <a:endParaRPr lang="zh-CN" altLang="en-US" sz="2800" b="1">
-              <a:solidFill>
-                <a:schemeClr val="tx1"/>
-              </a:solidFill>
-            </a:endParaRPr>
           </a:p>
           <a:p>
             <a:pPr>
@@ -4507,13 +4522,6 @@
   <p:clrMapOvr>
     <a:masterClrMapping/>
   </p:clrMapOvr>
-  <p:timing>
-    <p:tnLst>
-      <p:par>
-        <p:cTn id="1" dur="indefinite" restart="never" nodeType="tmRoot"/>
-      </p:par>
-    </p:tnLst>
-  </p:timing>
 </p:sld>
 </file>
 
@@ -4583,11 +4591,6 @@
               </a:rPr>
               <a:t>类型</a:t>
             </a:r>
-            <a:endParaRPr lang="zh-CN" altLang="en-US" sz="3200" dirty="0">
-              <a:solidFill>
-                <a:schemeClr val="tx1"/>
-              </a:solidFill>
-            </a:endParaRPr>
           </a:p>
           <a:p>
             <a:pPr>
@@ -4793,18 +4796,18 @@
           <a:lstStyle/>
           <a:p>
             <a:r>
-              <a:rPr lang="en-US" altLang="zh-CN" dirty="0" smtClean="0">
+              <a:rPr lang="en-US" altLang="zh-CN" dirty="0">
                 <a:sym typeface="+mn-ea"/>
               </a:rPr>
               <a:t>JavaScript</a:t>
             </a:r>
             <a:r>
-              <a:rPr lang="zh-CN" altLang="en-US" dirty="0" smtClean="0">
+              <a:rPr lang="zh-CN" altLang="en-US" dirty="0">
                 <a:sym typeface="+mn-ea"/>
               </a:rPr>
               <a:t>数据类型转换</a:t>
             </a:r>
-            <a:endParaRPr lang="zh-CN" altLang="en-US" dirty="0" smtClean="0"/>
+            <a:endParaRPr lang="zh-CN" altLang="en-US" dirty="0"/>
           </a:p>
         </p:txBody>
       </p:sp>
@@ -4817,7 +4820,7 @@
           <p:nvPr/>
         </p:nvPicPr>
         <p:blipFill>
-          <a:blip r:embed="rId1"/>
+          <a:blip r:embed="rId3"/>
           <a:stretch>
             <a:fillRect/>
           </a:stretch>
@@ -4875,13 +4878,6 @@
               </a:rPr>
               <a:t>demo11 Part1</a:t>
             </a:r>
-            <a:endParaRPr lang="en-US" altLang="zh-CN" sz="2200">
-              <a:solidFill>
-                <a:srgbClr val="FF0000"/>
-              </a:solidFill>
-              <a:latin typeface="+mn-ea"/>
-              <a:ea typeface="+mn-ea"/>
-            </a:endParaRPr>
           </a:p>
         </p:txBody>
       </p:sp>
@@ -4890,13 +4886,6 @@
   <p:clrMapOvr>
     <a:masterClrMapping/>
   </p:clrMapOvr>
-  <p:timing>
-    <p:tnLst>
-      <p:par>
-        <p:cTn id="1" dur="indefinite" restart="never" nodeType="tmRoot"/>
-      </p:par>
-    </p:tnLst>
-  </p:timing>
 </p:sld>
 </file>
 
@@ -4966,11 +4955,6 @@
               </a:rPr>
               <a:t>类型</a:t>
             </a:r>
-            <a:endParaRPr lang="zh-CN" altLang="en-US" sz="3200" dirty="0">
-              <a:solidFill>
-                <a:schemeClr val="tx1"/>
-              </a:solidFill>
-            </a:endParaRPr>
           </a:p>
           <a:p>
             <a:pPr>
@@ -5172,18 +5156,18 @@
           <a:lstStyle/>
           <a:p>
             <a:r>
-              <a:rPr lang="en-US" altLang="zh-CN" dirty="0" smtClean="0">
+              <a:rPr lang="en-US" altLang="zh-CN" dirty="0">
                 <a:sym typeface="+mn-ea"/>
               </a:rPr>
               <a:t>JavaScript</a:t>
             </a:r>
             <a:r>
-              <a:rPr lang="zh-CN" altLang="en-US" dirty="0" smtClean="0">
+              <a:rPr lang="zh-CN" altLang="en-US" dirty="0">
                 <a:sym typeface="+mn-ea"/>
               </a:rPr>
               <a:t>数据类型转换</a:t>
             </a:r>
-            <a:endParaRPr lang="zh-CN" altLang="en-US" dirty="0" smtClean="0"/>
+            <a:endParaRPr lang="zh-CN" altLang="en-US" dirty="0"/>
           </a:p>
         </p:txBody>
       </p:sp>
@@ -5196,7 +5180,7 @@
           <p:nvPr/>
         </p:nvPicPr>
         <p:blipFill>
-          <a:blip r:embed="rId1"/>
+          <a:blip r:embed="rId3"/>
           <a:stretch>
             <a:fillRect/>
           </a:stretch>
@@ -5254,13 +5238,6 @@
               </a:rPr>
               <a:t>demo11 Part2</a:t>
             </a:r>
-            <a:endParaRPr lang="en-US" altLang="zh-CN" sz="2200">
-              <a:solidFill>
-                <a:srgbClr val="FF0000"/>
-              </a:solidFill>
-              <a:latin typeface="+mn-ea"/>
-              <a:ea typeface="+mn-ea"/>
-            </a:endParaRPr>
           </a:p>
         </p:txBody>
       </p:sp>
@@ -5269,13 +5246,6 @@
   <p:clrMapOvr>
     <a:masterClrMapping/>
   </p:clrMapOvr>
-  <p:timing>
-    <p:tnLst>
-      <p:par>
-        <p:cTn id="1" dur="indefinite" restart="never" nodeType="tmRoot"/>
-      </p:par>
-    </p:tnLst>
-  </p:timing>
 </p:sld>
 </file>
 
@@ -5345,11 +5315,6 @@
               </a:rPr>
               <a:t>类型</a:t>
             </a:r>
-            <a:endParaRPr lang="zh-CN" altLang="en-US" sz="3200" dirty="0">
-              <a:solidFill>
-                <a:schemeClr val="tx1"/>
-              </a:solidFill>
-            </a:endParaRPr>
           </a:p>
           <a:p>
             <a:pPr>
@@ -5535,18 +5500,18 @@
           <a:lstStyle/>
           <a:p>
             <a:r>
-              <a:rPr lang="en-US" altLang="zh-CN" dirty="0" smtClean="0">
+              <a:rPr lang="en-US" altLang="zh-CN" dirty="0">
                 <a:sym typeface="+mn-ea"/>
               </a:rPr>
               <a:t>JavaScript</a:t>
             </a:r>
             <a:r>
-              <a:rPr lang="zh-CN" altLang="en-US" dirty="0" smtClean="0">
+              <a:rPr lang="zh-CN" altLang="en-US" dirty="0">
                 <a:sym typeface="+mn-ea"/>
               </a:rPr>
               <a:t>数据类型转换</a:t>
             </a:r>
-            <a:endParaRPr lang="zh-CN" altLang="en-US" dirty="0" smtClean="0"/>
+            <a:endParaRPr lang="zh-CN" altLang="en-US" dirty="0"/>
           </a:p>
         </p:txBody>
       </p:sp>
@@ -5559,7 +5524,7 @@
           <p:nvPr/>
         </p:nvPicPr>
         <p:blipFill>
-          <a:blip r:embed="rId1"/>
+          <a:blip r:embed="rId3"/>
           <a:stretch>
             <a:fillRect/>
           </a:stretch>
@@ -5617,13 +5582,6 @@
               </a:rPr>
               <a:t>demo11 Part3</a:t>
             </a:r>
-            <a:endParaRPr lang="en-US" altLang="zh-CN" sz="2200">
-              <a:solidFill>
-                <a:srgbClr val="FF0000"/>
-              </a:solidFill>
-              <a:latin typeface="+mn-ea"/>
-              <a:ea typeface="+mn-ea"/>
-            </a:endParaRPr>
           </a:p>
         </p:txBody>
       </p:sp>
@@ -5632,13 +5590,6 @@
   <p:clrMapOvr>
     <a:masterClrMapping/>
   </p:clrMapOvr>
-  <p:timing>
-    <p:tnLst>
-      <p:par>
-        <p:cTn id="1" dur="indefinite" restart="never" nodeType="tmRoot"/>
-      </p:par>
-    </p:tnLst>
-  </p:timing>
 </p:sld>
 </file>
 
@@ -5737,14 +5688,13 @@
           <a:lstStyle/>
           <a:p>
             <a:r>
-              <a:rPr lang="en-US" altLang="zh-CN" dirty="0" smtClean="0"/>
+              <a:rPr lang="en-US" altLang="zh-CN" dirty="0"/>
               <a:t>JavaScript</a:t>
             </a:r>
             <a:r>
-              <a:rPr lang="zh-CN" altLang="en-US" dirty="0" smtClean="0"/>
+              <a:rPr lang="zh-CN" altLang="en-US" dirty="0"/>
               <a:t>数据类型转换</a:t>
             </a:r>
-            <a:endParaRPr lang="zh-CN" altLang="en-US" dirty="0" smtClean="0"/>
           </a:p>
         </p:txBody>
       </p:sp>
@@ -5757,7 +5707,7 @@
           <p:nvPr/>
         </p:nvPicPr>
         <p:blipFill>
-          <a:blip r:embed="rId1"/>
+          <a:blip r:embed="rId3"/>
           <a:stretch>
             <a:fillRect/>
           </a:stretch>
@@ -5777,13 +5727,6 @@
   <p:clrMapOvr>
     <a:masterClrMapping/>
   </p:clrMapOvr>
-  <p:timing>
-    <p:tnLst>
-      <p:par>
-        <p:cTn id="1" dur="indefinite" restart="never" nodeType="tmRoot"/>
-      </p:par>
-    </p:tnLst>
-  </p:timing>
 </p:sld>
 </file>
 
@@ -5942,46 +5885,16 @@
               <a:t>使用算数运算符时的转换（</a:t>
             </a:r>
             <a:r>
-              <a:rPr lang="en-US" altLang="zh-CN" sz="2000" dirty="0" err="1" smtClean="0">
+              <a:rPr lang="en-US" altLang="zh-CN" sz="2000" dirty="0" err="1">
                 <a:sym typeface="+mn-ea"/>
               </a:rPr>
               <a:t>'img'</a:t>
             </a:r>
             <a:r>
-              <a:rPr lang="en-US" altLang="zh-CN" sz="2000" dirty="0" smtClean="0">
-                <a:sym typeface="+mn-ea"/>
-              </a:rPr>
-              <a:t>+ </a:t>
-            </a:r>
-            <a:r>
               <a:rPr lang="en-US" altLang="zh-CN" sz="2000" dirty="0">
                 <a:sym typeface="+mn-ea"/>
               </a:rPr>
-              <a:t>3 </a:t>
-            </a:r>
-            <a:r>
-              <a:rPr lang="en-US" altLang="zh-CN" sz="2000" dirty="0" smtClean="0">
-                <a:sym typeface="+mn-ea"/>
-              </a:rPr>
-              <a:t>+ '</a:t>
-            </a:r>
-            <a:r>
-              <a:rPr lang="en-US" altLang="zh-CN" sz="2000" dirty="0">
-                <a:sym typeface="+mn-ea"/>
-              </a:rPr>
-              <a:t>.</a:t>
-            </a:r>
-            <a:r>
-              <a:rPr lang="en-US" altLang="zh-CN" sz="2000" dirty="0" smtClean="0">
-                <a:sym typeface="+mn-ea"/>
-              </a:rPr>
-              <a:t>jpg'</a:t>
-            </a:r>
-            <a:r>
-              <a:rPr lang="en-US" altLang="zh-CN" sz="2000" dirty="0">
-                <a:sym typeface="+mn-ea"/>
-              </a:rPr>
-              <a:t>;  “25”-0;</a:t>
+              <a:t>+ 3 + '.jpg';  “25”-0;</a:t>
             </a:r>
             <a:r>
               <a:rPr lang="zh-CN" altLang="en-US" sz="2000" dirty="0">
@@ -6077,12 +5990,6 @@
               </a:rPr>
               <a:t>）</a:t>
             </a:r>
-            <a:endParaRPr lang="zh-CN" altLang="en-US" sz="2000" dirty="0">
-              <a:solidFill>
-                <a:schemeClr val="tx1"/>
-              </a:solidFill>
-              <a:sym typeface="+mn-ea"/>
-            </a:endParaRPr>
           </a:p>
           <a:p>
             <a:pPr>
@@ -6398,12 +6305,6 @@
               </a:rPr>
               <a:t>）</a:t>
             </a:r>
-            <a:endParaRPr lang="zh-CN" altLang="en-US" sz="2000" dirty="0">
-              <a:solidFill>
-                <a:schemeClr val="tx1"/>
-              </a:solidFill>
-              <a:sym typeface="+mn-ea"/>
-            </a:endParaRPr>
           </a:p>
           <a:p>
             <a:pPr>
@@ -6463,14 +6364,13 @@
           <a:lstStyle/>
           <a:p>
             <a:r>
-              <a:rPr lang="en-US" altLang="zh-CN" dirty="0" smtClean="0"/>
+              <a:rPr lang="en-US" altLang="zh-CN" dirty="0"/>
               <a:t>JavaScript</a:t>
             </a:r>
             <a:r>
-              <a:rPr lang="zh-CN" altLang="en-US" dirty="0" smtClean="0"/>
+              <a:rPr lang="zh-CN" altLang="en-US" dirty="0"/>
               <a:t>数据类型转换</a:t>
             </a:r>
-            <a:endParaRPr lang="zh-CN" altLang="en-US" dirty="0" smtClean="0"/>
           </a:p>
         </p:txBody>
       </p:sp>
@@ -6527,13 +6427,6 @@
               </a:rPr>
               <a:t>页</a:t>
             </a:r>
-            <a:endParaRPr lang="zh-CN" altLang="en-US" sz="2200">
-              <a:solidFill>
-                <a:srgbClr val="FF0000"/>
-              </a:solidFill>
-              <a:latin typeface="+mn-ea"/>
-              <a:ea typeface="+mn-ea"/>
-            </a:endParaRPr>
           </a:p>
         </p:txBody>
       </p:sp>
@@ -6580,13 +6473,6 @@
               </a:rPr>
               <a:t>demo12 Part1 </a:t>
             </a:r>
-            <a:endParaRPr lang="en-US" altLang="zh-CN" sz="2200">
-              <a:solidFill>
-                <a:srgbClr val="FF0000"/>
-              </a:solidFill>
-              <a:latin typeface="+mn-ea"/>
-              <a:ea typeface="+mn-ea"/>
-            </a:endParaRPr>
           </a:p>
         </p:txBody>
       </p:sp>
@@ -6633,13 +6519,6 @@
               </a:rPr>
               <a:t>demo12 Part2 </a:t>
             </a:r>
-            <a:endParaRPr lang="en-US" altLang="zh-CN" sz="2200">
-              <a:solidFill>
-                <a:srgbClr val="FF0000"/>
-              </a:solidFill>
-              <a:latin typeface="+mn-ea"/>
-              <a:ea typeface="+mn-ea"/>
-            </a:endParaRPr>
           </a:p>
         </p:txBody>
       </p:sp>
@@ -6648,13 +6527,6 @@
   <p:clrMapOvr>
     <a:masterClrMapping/>
   </p:clrMapOvr>
-  <p:timing>
-    <p:tnLst>
-      <p:par>
-        <p:cTn id="1" dur="indefinite" restart="never" nodeType="tmRoot"/>
-      </p:par>
-    </p:tnLst>
-  </p:timing>
 </p:sld>
 </file>
 
@@ -6684,7 +6556,7 @@
           <p:nvPr/>
         </p:nvPicPr>
         <p:blipFill>
-          <a:blip r:embed="rId1" cstate="print">
+          <a:blip r:embed="rId2" cstate="print">
             <a:extLst>
               <a:ext uri="{28A0092B-C50C-407E-A947-70E740481C1C}">
                 <a14:useLocalDpi xmlns:a14="http://schemas.microsoft.com/office/drawing/2010/main" val="0"/>
@@ -6802,7 +6674,7 @@
           <p:nvPr/>
         </p:nvPicPr>
         <p:blipFill>
-          <a:blip r:embed="rId2" cstate="print">
+          <a:blip r:embed="rId3" cstate="print">
             <a:extLst>
               <a:ext uri="{28A0092B-C50C-407E-A947-70E740481C1C}">
                 <a14:useLocalDpi xmlns:a14="http://schemas.microsoft.com/office/drawing/2010/main" val="0"/>
@@ -6852,13 +6724,6 @@
   <p:clrMapOvr>
     <a:masterClrMapping/>
   </p:clrMapOvr>
-  <p:timing>
-    <p:tnLst>
-      <p:par>
-        <p:cTn id="1" dur="indefinite" restart="never" nodeType="tmRoot"/>
-      </p:par>
-    </p:tnLst>
-  </p:timing>
 </p:sld>
 </file>
 
@@ -6902,14 +6767,140 @@
           <a:lstStyle/>
           <a:p>
             <a:r>
-              <a:rPr lang="zh-CN" altLang="en-US" sz="2400" dirty="0" smtClean="0">
+              <a:rPr lang="zh-CN" altLang="en-US" sz="2400" dirty="0">
                 <a:solidFill>
                   <a:schemeClr val="tx1"/>
                 </a:solidFill>
               </a:rPr>
               <a:t> 类对象与内置对象</a:t>
             </a:r>
-            <a:endParaRPr lang="zh-CN" altLang="en-US" sz="2400" dirty="0" smtClean="0">
+          </a:p>
+          <a:p>
+            <a:r>
+              <a:rPr lang="zh-CN" altLang="en-US" sz="2400" dirty="0">
+                <a:solidFill>
+                  <a:schemeClr val="tx1"/>
+                </a:solidFill>
+              </a:rPr>
+              <a:t> </a:t>
+            </a:r>
+            <a:r>
+              <a:rPr lang="en-US" altLang="zh-CN" sz="2400" dirty="0">
+                <a:solidFill>
+                  <a:schemeClr val="tx1"/>
+                </a:solidFill>
+              </a:rPr>
+              <a:t>Object</a:t>
+            </a:r>
+            <a:r>
+              <a:rPr lang="zh-CN" altLang="en-US" sz="2400" dirty="0">
+                <a:solidFill>
+                  <a:schemeClr val="tx1"/>
+                </a:solidFill>
+              </a:rPr>
+              <a:t>、</a:t>
+            </a:r>
+            <a:r>
+              <a:rPr lang="en-US" altLang="zh-CN" sz="2400" dirty="0">
+                <a:solidFill>
+                  <a:schemeClr val="tx1"/>
+                </a:solidFill>
+              </a:rPr>
+              <a:t>Array</a:t>
+            </a:r>
+            <a:r>
+              <a:rPr lang="zh-CN" altLang="en-US" sz="2400" dirty="0">
+                <a:solidFill>
+                  <a:schemeClr val="tx1"/>
+                </a:solidFill>
+              </a:rPr>
+              <a:t>、</a:t>
+            </a:r>
+            <a:r>
+              <a:rPr lang="en-US" altLang="zh-CN" sz="2400" dirty="0">
+                <a:solidFill>
+                  <a:schemeClr val="tx1"/>
+                </a:solidFill>
+              </a:rPr>
+              <a:t>Date</a:t>
+            </a:r>
+            <a:r>
+              <a:rPr lang="zh-CN" altLang="en-US" sz="2400" dirty="0">
+                <a:solidFill>
+                  <a:schemeClr val="tx1"/>
+                </a:solidFill>
+              </a:rPr>
+              <a:t>等（是对象？、是构造函数？、是类型？）</a:t>
+            </a:r>
+          </a:p>
+          <a:p>
+            <a:r>
+              <a:rPr lang="zh-CN" altLang="en-US" sz="2400" dirty="0">
+                <a:solidFill>
+                  <a:schemeClr val="tx1"/>
+                </a:solidFill>
+              </a:rPr>
+              <a:t> </a:t>
+            </a:r>
+            <a:r>
+              <a:rPr lang="en-US" altLang="zh-CN" sz="2400" dirty="0">
+                <a:solidFill>
+                  <a:schemeClr val="tx1"/>
+                </a:solidFill>
+              </a:rPr>
+              <a:t>Math</a:t>
+            </a:r>
+            <a:r>
+              <a:rPr lang="zh-CN" altLang="en-US" sz="2400" dirty="0">
+                <a:solidFill>
+                  <a:schemeClr val="tx1"/>
+                </a:solidFill>
+              </a:rPr>
+              <a:t>、</a:t>
+            </a:r>
+            <a:r>
+              <a:rPr lang="en-US" altLang="zh-CN" sz="2400" dirty="0">
+                <a:solidFill>
+                  <a:schemeClr val="tx1"/>
+                </a:solidFill>
+              </a:rPr>
+              <a:t>JSON</a:t>
+            </a:r>
+            <a:r>
+              <a:rPr lang="zh-CN" altLang="en-US" sz="2400" dirty="0">
+                <a:solidFill>
+                  <a:schemeClr val="tx1"/>
+                </a:solidFill>
+              </a:rPr>
+              <a:t>（是对象？、是构造函数？、是类型</a:t>
+            </a:r>
+            <a:r>
+              <a:rPr lang="en-US" altLang="zh-CN" sz="2400" dirty="0">
+                <a:solidFill>
+                  <a:schemeClr val="tx1"/>
+                </a:solidFill>
+              </a:rPr>
+              <a:t>?</a:t>
+            </a:r>
+            <a:r>
+              <a:rPr lang="zh-CN" altLang="en-US" sz="2400" dirty="0">
+                <a:solidFill>
+                  <a:schemeClr val="tx1"/>
+                </a:solidFill>
+              </a:rPr>
+              <a:t>）</a:t>
+            </a:r>
+            <a:r>
+              <a:rPr lang="en-US" altLang="zh-CN" sz="2400" dirty="0">
+                <a:solidFill>
+                  <a:schemeClr val="tx1"/>
+                </a:solidFill>
+              </a:rPr>
+              <a:t> </a:t>
+            </a:r>
+          </a:p>
+          <a:p>
+            <a:endParaRPr lang="en-US" altLang="zh-CN" sz="2400" dirty="0">
               <a:solidFill>
                 <a:schemeClr val="tx1"/>
               </a:solidFill>
@@ -6917,163 +6908,17 @@
           </a:p>
           <a:p>
             <a:r>
-              <a:rPr lang="zh-CN" altLang="en-US" sz="2400" dirty="0" smtClean="0">
-                <a:solidFill>
-                  <a:schemeClr val="tx1"/>
-                </a:solidFill>
-              </a:rPr>
-              <a:t> </a:t>
-            </a:r>
-            <a:r>
-              <a:rPr lang="en-US" altLang="zh-CN" sz="2400" dirty="0" smtClean="0">
-                <a:solidFill>
-                  <a:schemeClr val="tx1"/>
-                </a:solidFill>
-              </a:rPr>
-              <a:t>Object</a:t>
-            </a:r>
-            <a:r>
-              <a:rPr lang="zh-CN" altLang="en-US" sz="2400" dirty="0" smtClean="0">
-                <a:solidFill>
-                  <a:schemeClr val="tx1"/>
-                </a:solidFill>
-              </a:rPr>
-              <a:t>、</a:t>
-            </a:r>
-            <a:r>
-              <a:rPr lang="en-US" altLang="zh-CN" sz="2400" dirty="0" smtClean="0">
-                <a:solidFill>
-                  <a:schemeClr val="tx1"/>
-                </a:solidFill>
-              </a:rPr>
-              <a:t>Array</a:t>
-            </a:r>
-            <a:r>
-              <a:rPr lang="zh-CN" altLang="en-US" sz="2400" dirty="0" smtClean="0">
-                <a:solidFill>
-                  <a:schemeClr val="tx1"/>
-                </a:solidFill>
-              </a:rPr>
-              <a:t>、</a:t>
-            </a:r>
-            <a:r>
-              <a:rPr lang="en-US" altLang="zh-CN" sz="2400" dirty="0" smtClean="0">
-                <a:solidFill>
-                  <a:schemeClr val="tx1"/>
-                </a:solidFill>
-              </a:rPr>
-              <a:t>Date</a:t>
-            </a:r>
-            <a:r>
-              <a:rPr lang="zh-CN" altLang="en-US" sz="2400" dirty="0" smtClean="0">
-                <a:solidFill>
-                  <a:schemeClr val="tx1"/>
-                </a:solidFill>
-              </a:rPr>
-              <a:t>等（是对象？、是构造函数？、是类型？）</a:t>
-            </a:r>
-            <a:endParaRPr lang="zh-CN" altLang="en-US" sz="2400" dirty="0" smtClean="0">
-              <a:solidFill>
-                <a:schemeClr val="tx1"/>
-              </a:solidFill>
-            </a:endParaRPr>
-          </a:p>
-          <a:p>
-            <a:r>
-              <a:rPr lang="zh-CN" altLang="en-US" sz="2400" dirty="0" smtClean="0">
-                <a:solidFill>
-                  <a:schemeClr val="tx1"/>
-                </a:solidFill>
-              </a:rPr>
-              <a:t> </a:t>
-            </a:r>
-            <a:r>
-              <a:rPr lang="en-US" altLang="zh-CN" sz="2400" dirty="0" smtClean="0">
-                <a:solidFill>
-                  <a:schemeClr val="tx1"/>
-                </a:solidFill>
-              </a:rPr>
-              <a:t>Math</a:t>
-            </a:r>
-            <a:r>
-              <a:rPr lang="zh-CN" altLang="en-US" sz="2400" dirty="0" smtClean="0">
-                <a:solidFill>
-                  <a:schemeClr val="tx1"/>
-                </a:solidFill>
-              </a:rPr>
-              <a:t>、</a:t>
-            </a:r>
-            <a:r>
-              <a:rPr lang="en-US" altLang="zh-CN" sz="2400" dirty="0" smtClean="0">
-                <a:solidFill>
-                  <a:schemeClr val="tx1"/>
-                </a:solidFill>
-              </a:rPr>
-              <a:t>JSON</a:t>
-            </a:r>
-            <a:r>
-              <a:rPr lang="zh-CN" altLang="en-US" sz="2400" dirty="0" smtClean="0">
-                <a:solidFill>
-                  <a:schemeClr val="tx1"/>
-                </a:solidFill>
-              </a:rPr>
-              <a:t>（是对象？、是构造函数？、是类型</a:t>
-            </a:r>
-            <a:r>
-              <a:rPr lang="en-US" altLang="zh-CN" sz="2400" dirty="0" smtClean="0">
-                <a:solidFill>
-                  <a:schemeClr val="tx1"/>
-                </a:solidFill>
-              </a:rPr>
-              <a:t>?</a:t>
-            </a:r>
-            <a:r>
-              <a:rPr lang="zh-CN" altLang="en-US" sz="2400" dirty="0" smtClean="0">
-                <a:solidFill>
-                  <a:schemeClr val="tx1"/>
-                </a:solidFill>
-              </a:rPr>
-              <a:t>）</a:t>
-            </a:r>
-            <a:r>
-              <a:rPr lang="en-US" altLang="zh-CN" sz="2400" dirty="0" smtClean="0">
-                <a:solidFill>
-                  <a:schemeClr val="tx1"/>
-                </a:solidFill>
-              </a:rPr>
-              <a:t> </a:t>
-            </a:r>
-            <a:endParaRPr lang="en-US" altLang="zh-CN" sz="2400" dirty="0" smtClean="0">
-              <a:solidFill>
-                <a:schemeClr val="tx1"/>
-              </a:solidFill>
-            </a:endParaRPr>
-          </a:p>
-          <a:p>
-            <a:endParaRPr lang="en-US" altLang="zh-CN" sz="2400" dirty="0" smtClean="0">
-              <a:solidFill>
-                <a:schemeClr val="tx1"/>
-              </a:solidFill>
-            </a:endParaRPr>
-          </a:p>
-          <a:p>
-            <a:r>
-              <a:rPr lang="en-US" altLang="zh-CN" sz="2400" dirty="0" smtClean="0">
+              <a:rPr lang="en-US" altLang="zh-CN" sz="2400" dirty="0">
                 <a:solidFill>
                   <a:schemeClr val="tx1"/>
                 </a:solidFill>
               </a:rPr>
               <a:t> console.log(typeof Boolean);</a:t>
             </a:r>
-            <a:endParaRPr lang="en-US" altLang="zh-CN" sz="2400" dirty="0" smtClean="0">
-              <a:solidFill>
-                <a:schemeClr val="tx1"/>
-              </a:solidFill>
-            </a:endParaRPr>
-          </a:p>
-          <a:p>
-            <a:r>
-              <a:rPr lang="en-US" altLang="zh-CN" sz="2400" dirty="0" smtClean="0">
+          </a:p>
+          <a:p>
+            <a:r>
+              <a:rPr lang="en-US" altLang="zh-CN" sz="2400" dirty="0">
                 <a:solidFill>
                   <a:schemeClr val="tx1"/>
                 </a:solidFill>
@@ -7082,22 +6927,17 @@
               <a:t> console.log(</a:t>
             </a:r>
             <a:r>
-              <a:rPr lang="en-US" altLang="zh-CN" sz="2400" dirty="0" smtClean="0">
+              <a:rPr lang="en-US" altLang="zh-CN" sz="2400" dirty="0">
                 <a:solidFill>
                   <a:schemeClr val="tx1"/>
                 </a:solidFill>
               </a:rPr>
               <a:t>typeof Number);</a:t>
             </a:r>
-            <a:endParaRPr lang="en-US" altLang="zh-CN" sz="2400" dirty="0" smtClean="0">
-              <a:solidFill>
-                <a:schemeClr val="tx1"/>
-              </a:solidFill>
-            </a:endParaRPr>
-          </a:p>
-          <a:p>
-            <a:r>
-              <a:rPr lang="en-US" altLang="zh-CN" sz="2400" dirty="0" smtClean="0">
+          </a:p>
+          <a:p>
+            <a:r>
+              <a:rPr lang="en-US" altLang="zh-CN" sz="2400" dirty="0">
                 <a:solidFill>
                   <a:schemeClr val="tx1"/>
                 </a:solidFill>
@@ -7106,18 +6946,13 @@
               <a:t> console.log(</a:t>
             </a:r>
             <a:r>
-              <a:rPr lang="en-US" altLang="zh-CN" sz="2400" dirty="0" smtClean="0">
+              <a:rPr lang="en-US" altLang="zh-CN" sz="2400" dirty="0">
                 <a:solidFill>
                   <a:schemeClr val="tx1"/>
                 </a:solidFill>
               </a:rPr>
               <a:t>typeof String);</a:t>
             </a:r>
-            <a:endParaRPr lang="en-US" altLang="zh-CN" sz="2400" dirty="0" smtClean="0">
-              <a:solidFill>
-                <a:schemeClr val="tx1"/>
-              </a:solidFill>
-            </a:endParaRPr>
           </a:p>
         </p:txBody>
       </p:sp>
@@ -7140,7 +6975,6 @@
               <a:rPr lang="zh-CN" altLang="en-US"/>
               <a:t>思考</a:t>
             </a:r>
-            <a:endParaRPr lang="zh-CN" altLang="en-US"/>
           </a:p>
         </p:txBody>
       </p:sp>
@@ -7755,7 +7589,7 @@
           <p:nvPr/>
         </p:nvPicPr>
         <p:blipFill>
-          <a:blip r:embed="rId1">
+          <a:blip r:embed="rId2">
             <a:extLst>
               <a:ext uri="{28A0092B-C50C-407E-A947-70E740481C1C}">
                 <a14:useLocalDpi xmlns:a14="http://schemas.microsoft.com/office/drawing/2010/main" val="0"/>
@@ -8044,7 +7878,7 @@
           <p:nvPr/>
         </p:nvPicPr>
         <p:blipFill>
-          <a:blip r:embed="rId2">
+          <a:blip r:embed="rId3">
             <a:extLst>
               <a:ext uri="{28A0092B-C50C-407E-A947-70E740481C1C}">
                 <a14:useLocalDpi xmlns:a14="http://schemas.microsoft.com/office/drawing/2010/main" val="0"/>
@@ -8184,11 +8018,6 @@
               </a:rPr>
               <a:t>章</a:t>
             </a:r>
-            <a:endParaRPr lang="zh-CN" altLang="en-US" sz="2200">
-              <a:solidFill>
-                <a:srgbClr val="FF0000"/>
-              </a:solidFill>
-            </a:endParaRPr>
           </a:p>
         </p:txBody>
       </p:sp>
@@ -8198,13 +8027,6 @@
     <a:masterClrMapping/>
   </p:clrMapOvr>
   <p:transition advClick="0"/>
-  <p:timing>
-    <p:tnLst>
-      <p:par>
-        <p:cTn id="1" dur="indefinite" restart="never" nodeType="tmRoot"/>
-      </p:par>
-    </p:tnLst>
-  </p:timing>
 </p:sld>
 </file>
 
@@ -8425,10 +8247,9 @@
           </a:lstStyle>
           <a:p>
             <a:r>
-              <a:rPr lang="zh-CN" dirty="0" smtClean="0"/>
+              <a:rPr lang="zh-CN" dirty="0"/>
               <a:t>内容刚要</a:t>
             </a:r>
-            <a:endParaRPr lang="zh-CN" dirty="0" smtClean="0"/>
           </a:p>
         </p:txBody>
       </p:sp>
@@ -8610,11 +8431,6 @@
               </a:rPr>
               <a:t>的数据类型</a:t>
             </a:r>
-            <a:endParaRPr lang="zh-CN" altLang="en-US" sz="2800" b="1">
-              <a:solidFill>
-                <a:srgbClr val="FF0000"/>
-              </a:solidFill>
-            </a:endParaRPr>
           </a:p>
           <a:p>
             <a:pPr>
@@ -8637,7 +8453,6 @@
               <a:rPr lang="zh-CN" altLang="en-US" sz="2800" b="1"/>
               <a:t>不同类型的值</a:t>
             </a:r>
-            <a:endParaRPr lang="zh-CN" altLang="en-US" sz="2800" b="1"/>
           </a:p>
           <a:p>
             <a:pPr>
@@ -8669,13 +8484,6 @@
   <p:clrMapOvr>
     <a:masterClrMapping/>
   </p:clrMapOvr>
-  <p:timing>
-    <p:tnLst>
-      <p:par>
-        <p:cTn id="1" dur="indefinite" restart="never" nodeType="tmRoot"/>
-      </p:par>
-    </p:tnLst>
-  </p:timing>
 </p:sld>
 </file>
 
@@ -9046,12 +8854,6 @@
               </a:rPr>
               <a:t>等））</a:t>
             </a:r>
-            <a:endParaRPr lang="zh-CN" altLang="en-US" sz="2000" dirty="0">
-              <a:solidFill>
-                <a:schemeClr val="tx1"/>
-              </a:solidFill>
-              <a:sym typeface="+mn-ea"/>
-            </a:endParaRPr>
           </a:p>
           <a:p>
             <a:pPr>
@@ -9182,12 +8984,6 @@
               </a:rPr>
               <a:t>）</a:t>
             </a:r>
-            <a:endParaRPr lang="zh-CN" altLang="en-US" sz="3200" dirty="0">
-              <a:solidFill>
-                <a:schemeClr val="tx1"/>
-              </a:solidFill>
-              <a:sym typeface="+mn-ea"/>
-            </a:endParaRPr>
           </a:p>
           <a:p>
             <a:pPr marL="168275" lvl="1" indent="0">
@@ -9237,28 +9033,28 @@
           <a:lstStyle/>
           <a:p>
             <a:r>
-              <a:rPr lang="zh-CN" altLang="en-US" dirty="0" smtClean="0"/>
+              <a:rPr lang="zh-CN" altLang="en-US" dirty="0"/>
               <a:t>数据类型（参见</a:t>
             </a:r>
             <a:r>
-              <a:rPr lang="zh-CN" altLang="en-US" dirty="0" smtClean="0">
+              <a:rPr lang="zh-CN" altLang="en-US" dirty="0">
                 <a:sym typeface="+mn-ea"/>
               </a:rPr>
               <a:t>《深入理解JS》</a:t>
             </a:r>
             <a:r>
-              <a:rPr lang="en-US" altLang="zh-CN" dirty="0" smtClean="0">
+              <a:rPr lang="en-US" altLang="zh-CN" dirty="0">
                 <a:sym typeface="+mn-ea"/>
               </a:rPr>
               <a:t>8.1</a:t>
             </a:r>
             <a:r>
-              <a:rPr lang="zh-CN" altLang="en-US" dirty="0" smtClean="0">
+              <a:rPr lang="zh-CN" altLang="en-US" dirty="0">
                 <a:sym typeface="+mn-ea"/>
               </a:rPr>
               <a:t>节）</a:t>
             </a:r>
-            <a:endParaRPr lang="en-US" altLang="zh-CN" dirty="0" smtClean="0">
+            <a:endParaRPr lang="en-US" altLang="zh-CN" dirty="0">
               <a:sym typeface="+mn-ea"/>
             </a:endParaRPr>
           </a:p>
@@ -9273,7 +9069,7 @@
           <p:nvPr/>
         </p:nvPicPr>
         <p:blipFill>
-          <a:blip r:embed="rId1"/>
+          <a:blip r:embed="rId3"/>
           <a:srcRect/>
           <a:stretch>
             <a:fillRect/>
@@ -9332,13 +9128,6 @@
               </a:rPr>
               <a:t>demo01</a:t>
             </a:r>
-            <a:endParaRPr lang="en-US" altLang="zh-CN" sz="2200">
-              <a:solidFill>
-                <a:srgbClr val="FF0000"/>
-              </a:solidFill>
-              <a:latin typeface="+mn-ea"/>
-              <a:ea typeface="+mn-ea"/>
-            </a:endParaRPr>
           </a:p>
         </p:txBody>
       </p:sp>
@@ -9372,11 +9161,6 @@
               </a:rPr>
               <a:t>参考链接：http://www.jianshu.com/p/75057391ad51</a:t>
             </a:r>
-            <a:endParaRPr lang="zh-CN" altLang="en-US" sz="2200">
-              <a:solidFill>
-                <a:srgbClr val="FF0000"/>
-              </a:solidFill>
-            </a:endParaRPr>
           </a:p>
         </p:txBody>
       </p:sp>
@@ -10163,10 +9947,10 @@
       </p:par>
     </p:tnLst>
     <p:bldLst>
+      <p:bldP spid="7" grpId="0"/>
+      <p:bldP spid="8" grpId="0"/>
       <p:bldP spid="4" grpId="0"/>
       <p:bldP spid="5" grpId="0"/>
-      <p:bldP spid="7" grpId="0"/>
-      <p:bldP spid="8" grpId="0"/>
     </p:bldLst>
   </p:timing>
 </p:sld>
@@ -10400,7 +10184,7 @@
               </a:rPr>
               <a:t>基本类型与引用类型的区别</a:t>
             </a:r>
-            <a:endParaRPr lang="zh-CN" altLang="en-US" dirty="0" smtClean="0"/>
+            <a:endParaRPr lang="zh-CN" altLang="en-US" dirty="0"/>
           </a:p>
         </p:txBody>
       </p:sp>
@@ -10413,7 +10197,7 @@
           <p:nvPr/>
         </p:nvPicPr>
         <p:blipFill>
-          <a:blip r:embed="rId1"/>
+          <a:blip r:embed="rId3"/>
           <a:srcRect/>
           <a:stretch>
             <a:fillRect/>
@@ -10472,13 +10256,6 @@
               </a:rPr>
               <a:t>demo02</a:t>
             </a:r>
-            <a:endParaRPr lang="en-US" altLang="zh-CN" sz="2200">
-              <a:solidFill>
-                <a:srgbClr val="FF0000"/>
-              </a:solidFill>
-              <a:latin typeface="+mn-ea"/>
-              <a:ea typeface="+mn-ea"/>
-            </a:endParaRPr>
           </a:p>
         </p:txBody>
       </p:sp>
@@ -10516,14 +10293,6 @@
               </a:rPr>
               <a:t>思考：对象的属性如果是基本类型，那么该属性是分配在堆区还是栈区</a:t>
             </a:r>
-            <a:endParaRPr lang="zh-CN" altLang="en-US" sz="2200">
-              <a:solidFill>
-                <a:schemeClr val="accent3"/>
-              </a:solidFill>
-              <a:latin typeface="+mn-ea"/>
-              <a:ea typeface="+mn-ea"/>
-              <a:sym typeface="+mn-ea"/>
-            </a:endParaRPr>
           </a:p>
           <a:p>
             <a:pPr algn="l"/>
@@ -10567,13 +10336,6 @@
               </a:rPr>
               <a:t>堆区常用来存储更为复杂的数据结构的对象</a:t>
             </a:r>
-            <a:endParaRPr lang="zh-CN" altLang="en-US" sz="2200">
-              <a:solidFill>
-                <a:schemeClr val="tx1"/>
-              </a:solidFill>
-              <a:latin typeface="+mn-ea"/>
-              <a:ea typeface="+mn-ea"/>
-            </a:endParaRPr>
           </a:p>
         </p:txBody>
       </p:sp>
@@ -10785,8 +10547,8 @@
       </p:par>
     </p:tnLst>
     <p:bldLst>
+      <p:bldP spid="5" grpId="0"/>
       <p:bldP spid="6" grpId="0"/>
-      <p:bldP spid="5" grpId="0"/>
     </p:bldLst>
   </p:timing>
 </p:sld>
@@ -10869,12 +10631,6 @@
               </a:rPr>
               <a:t>赋值、赋引用（地址）、深拷贝与浅拷贝</a:t>
             </a:r>
-            <a:endParaRPr lang="zh-CN" altLang="en-US" sz="2200" dirty="0">
-              <a:solidFill>
-                <a:schemeClr val="tx1"/>
-              </a:solidFill>
-              <a:sym typeface="+mn-ea"/>
-            </a:endParaRPr>
           </a:p>
           <a:p>
             <a:pPr>
@@ -10966,13 +10722,6 @@
               </a:rPr>
               <a:t>引用类型是判断所指向的内存空间是否相同（引用比较）</a:t>
             </a:r>
-            <a:endParaRPr lang="zh-CN" altLang="en-US" sz="2200" dirty="0">
-              <a:solidFill>
-                <a:schemeClr val="tx1"/>
-              </a:solidFill>
-              <a:cs typeface="+mn-ea"/>
-              <a:sym typeface="+mn-ea"/>
-            </a:endParaRPr>
           </a:p>
           <a:p>
             <a:pPr>
@@ -11047,12 +10796,6 @@
               </a:rPr>
               <a:t>按引用传递(call by reference)</a:t>
             </a:r>
-            <a:endParaRPr lang="zh-CN" altLang="en-US" sz="2200" dirty="0">
-              <a:solidFill>
-                <a:schemeClr val="tx1"/>
-              </a:solidFill>
-              <a:sym typeface="+mn-ea"/>
-            </a:endParaRPr>
           </a:p>
           <a:p>
             <a:pPr marL="168275" lvl="1" indent="0">
@@ -11107,7 +10850,7 @@
               </a:rPr>
               <a:t>基本类型与引用类型的区别</a:t>
             </a:r>
-            <a:endParaRPr lang="zh-CN" altLang="en-US" dirty="0" smtClean="0"/>
+            <a:endParaRPr lang="zh-CN" altLang="en-US" dirty="0"/>
           </a:p>
         </p:txBody>
       </p:sp>
@@ -11154,13 +10897,6 @@
               </a:rPr>
               <a:t>demo04</a:t>
             </a:r>
-            <a:endParaRPr lang="en-US" altLang="zh-CN" sz="2200">
-              <a:solidFill>
-                <a:srgbClr val="FF0000"/>
-              </a:solidFill>
-              <a:latin typeface="+mn-ea"/>
-              <a:ea typeface="+mn-ea"/>
-            </a:endParaRPr>
           </a:p>
         </p:txBody>
       </p:sp>
@@ -11207,13 +10943,6 @@
               </a:rPr>
               <a:t>demo05</a:t>
             </a:r>
-            <a:endParaRPr lang="en-US" altLang="zh-CN" sz="2200">
-              <a:solidFill>
-                <a:srgbClr val="FF0000"/>
-              </a:solidFill>
-              <a:latin typeface="+mn-ea"/>
-              <a:ea typeface="+mn-ea"/>
-            </a:endParaRPr>
           </a:p>
         </p:txBody>
       </p:sp>
@@ -11260,13 +10989,6 @@
               </a:rPr>
               <a:t>demo03</a:t>
             </a:r>
-            <a:endParaRPr lang="en-US" altLang="zh-CN" sz="2200">
-              <a:solidFill>
-                <a:srgbClr val="FF0000"/>
-              </a:solidFill>
-              <a:latin typeface="+mn-ea"/>
-              <a:ea typeface="+mn-ea"/>
-            </a:endParaRPr>
           </a:p>
         </p:txBody>
       </p:sp>
@@ -11323,13 +11045,6 @@
               </a:rPr>
               <a:t>，而不是内存分配方式，内存分配方式决定的是变量的生命周期</a:t>
             </a:r>
-            <a:endParaRPr lang="zh-CN" sz="2200">
-              <a:solidFill>
-                <a:schemeClr val="tx1"/>
-              </a:solidFill>
-              <a:latin typeface="+mn-ea"/>
-              <a:ea typeface="+mn-ea"/>
-            </a:endParaRPr>
           </a:p>
         </p:txBody>
       </p:sp>
@@ -12231,10 +11946,9 @@
           </a:lstStyle>
           <a:p>
             <a:r>
-              <a:rPr lang="zh-CN" dirty="0" smtClean="0"/>
+              <a:rPr lang="zh-CN" dirty="0"/>
               <a:t>内容刚要</a:t>
             </a:r>
-            <a:endParaRPr lang="zh-CN" dirty="0" smtClean="0"/>
           </a:p>
         </p:txBody>
       </p:sp>
@@ -12416,11 +12130,6 @@
               </a:rPr>
               <a:t>的数据类型</a:t>
             </a:r>
-            <a:endParaRPr lang="zh-CN" altLang="en-US" sz="2800" b="1">
-              <a:solidFill>
-                <a:schemeClr val="tx1"/>
-              </a:solidFill>
-            </a:endParaRPr>
           </a:p>
           <a:p>
             <a:pPr>
@@ -12447,11 +12156,6 @@
               </a:rPr>
               <a:t>不同类型的值</a:t>
             </a:r>
-            <a:endParaRPr lang="zh-CN" altLang="en-US" sz="2800" b="1">
-              <a:solidFill>
-                <a:schemeClr val="accent3"/>
-              </a:solidFill>
-            </a:endParaRPr>
           </a:p>
           <a:p>
             <a:pPr>
@@ -12483,13 +12187,6 @@
   <p:clrMapOvr>
     <a:masterClrMapping/>
   </p:clrMapOvr>
-  <p:timing>
-    <p:tnLst>
-      <p:par>
-        <p:cTn id="1" dur="indefinite" restart="never" nodeType="tmRoot"/>
-      </p:par>
-    </p:tnLst>
-  </p:timing>
 </p:sld>
 </file>
 
@@ -12677,13 +12374,6 @@
               </a:rPr>
               <a:t>-0</a:t>
             </a:r>
-            <a:endParaRPr lang="en-US" altLang="zh-CN" sz="2000" dirty="0">
-              <a:solidFill>
-                <a:schemeClr val="tx1"/>
-              </a:solidFill>
-              <a:cs typeface="+mn-ea"/>
-              <a:sym typeface="+mn-ea"/>
-            </a:endParaRPr>
           </a:p>
           <a:p>
             <a:pPr>
@@ -12732,12 +12422,6 @@
               </a:rPr>
               <a:t>空字符、字符和字符串、转义字符</a:t>
             </a:r>
-            <a:endParaRPr lang="zh-CN" altLang="en-US" sz="2000" dirty="0">
-              <a:solidFill>
-                <a:schemeClr val="tx1"/>
-              </a:solidFill>
-              <a:sym typeface="+mn-ea"/>
-            </a:endParaRPr>
           </a:p>
           <a:p>
             <a:pPr>
@@ -12781,13 +12465,6 @@
               </a:rPr>
               <a:t>- true、false</a:t>
             </a:r>
-            <a:endParaRPr lang="en-US" altLang="zh-CN" sz="2000" dirty="0">
-              <a:solidFill>
-                <a:schemeClr val="tx1"/>
-              </a:solidFill>
-              <a:cs typeface="+mn-ea"/>
-              <a:sym typeface="+mn-ea"/>
-            </a:endParaRPr>
           </a:p>
           <a:p>
             <a:pPr>
@@ -12839,12 +12516,6 @@
               </a:rPr>
               <a:t>undefined</a:t>
             </a:r>
-            <a:endParaRPr lang="en-US" altLang="zh-CN" sz="2000" dirty="0">
-              <a:solidFill>
-                <a:schemeClr val="tx1"/>
-              </a:solidFill>
-              <a:sym typeface="+mn-ea"/>
-            </a:endParaRPr>
           </a:p>
           <a:p>
             <a:pPr marL="168275" lvl="1" indent="0">
@@ -12894,26 +12565,25 @@
           <a:lstStyle/>
           <a:p>
             <a:r>
-              <a:rPr lang="zh-CN" altLang="en-US" dirty="0" smtClean="0"/>
+              <a:rPr lang="zh-CN" altLang="en-US" dirty="0"/>
               <a:t>基本数据类型的值（原始值、参考教程</a:t>
             </a:r>
             <a:r>
-              <a:rPr lang="en-US" altLang="zh-CN" dirty="0" smtClean="0"/>
+              <a:rPr lang="en-US" altLang="zh-CN" dirty="0"/>
               <a:t>8.2</a:t>
             </a:r>
             <a:r>
-              <a:rPr lang="zh-CN" altLang="en-US" dirty="0" smtClean="0"/>
+              <a:rPr lang="zh-CN" altLang="en-US" dirty="0"/>
               <a:t>、</a:t>
             </a:r>
             <a:r>
-              <a:rPr lang="en-US" altLang="zh-CN" dirty="0" smtClean="0"/>
+              <a:rPr lang="en-US" altLang="zh-CN" dirty="0"/>
               <a:t>8.3</a:t>
             </a:r>
             <a:r>
-              <a:rPr lang="zh-CN" altLang="en-US" dirty="0" smtClean="0"/>
+              <a:rPr lang="zh-CN" altLang="en-US" dirty="0"/>
               <a:t>节）</a:t>
             </a:r>
-            <a:endParaRPr lang="zh-CN" altLang="en-US" dirty="0" smtClean="0"/>
           </a:p>
         </p:txBody>
       </p:sp>
@@ -12960,13 +12630,6 @@
               </a:rPr>
               <a:t>demo06</a:t>
             </a:r>
-            <a:endParaRPr lang="en-US" altLang="zh-CN" sz="2200">
-              <a:solidFill>
-                <a:srgbClr val="FF0000"/>
-              </a:solidFill>
-              <a:latin typeface="+mn-ea"/>
-              <a:ea typeface="+mn-ea"/>
-            </a:endParaRPr>
           </a:p>
         </p:txBody>
       </p:sp>
@@ -13013,13 +12676,6 @@
               </a:rPr>
               <a:t>demo07</a:t>
             </a:r>
-            <a:endParaRPr lang="en-US" altLang="zh-CN" sz="2200">
-              <a:solidFill>
-                <a:srgbClr val="FF0000"/>
-              </a:solidFill>
-              <a:latin typeface="+mn-ea"/>
-              <a:ea typeface="+mn-ea"/>
-            </a:endParaRPr>
           </a:p>
         </p:txBody>
       </p:sp>
@@ -13066,13 +12722,6 @@
               </a:rPr>
               <a:t>demo08</a:t>
             </a:r>
-            <a:endParaRPr lang="en-US" altLang="zh-CN" sz="2200">
-              <a:solidFill>
-                <a:srgbClr val="FF0000"/>
-              </a:solidFill>
-              <a:latin typeface="+mn-ea"/>
-              <a:ea typeface="+mn-ea"/>
-            </a:endParaRPr>
           </a:p>
         </p:txBody>
       </p:sp>
@@ -13081,13 +12730,6 @@
   <p:clrMapOvr>
     <a:masterClrMapping/>
   </p:clrMapOvr>
-  <p:timing>
-    <p:tnLst>
-      <p:par>
-        <p:cTn id="1" dur="indefinite" restart="never" nodeType="tmRoot"/>
-      </p:par>
-    </p:tnLst>
-  </p:timing>
 </p:sld>
 </file>
 
@@ -13240,13 +12882,6 @@
               </a:rPr>
               <a:t>20};</a:t>
             </a:r>
-            <a:endParaRPr lang="en-US" altLang="zh-CN" sz="2000" dirty="0">
-              <a:solidFill>
-                <a:schemeClr val="tx1"/>
-              </a:solidFill>
-              <a:cs typeface="+mn-ea"/>
-              <a:sym typeface="+mn-ea"/>
-            </a:endParaRPr>
           </a:p>
           <a:p>
             <a:pPr>
@@ -13320,13 +12955,6 @@
               </a:rPr>
               <a:t>[1,2,true,“Hi”];</a:t>
             </a:r>
-            <a:endParaRPr lang="en-US" sz="2000" dirty="0">
-              <a:solidFill>
-                <a:schemeClr val="tx1"/>
-              </a:solidFill>
-              <a:cs typeface="+mn-ea"/>
-              <a:sym typeface="+mn-ea"/>
-            </a:endParaRPr>
           </a:p>
           <a:p>
             <a:pPr>
@@ -13400,13 +13028,6 @@
               </a:rPr>
               <a:t>函数也是对象（可执行的对象），也有属性和方法</a:t>
             </a:r>
-            <a:endParaRPr lang="zh-CN" altLang="en-US" sz="2000" dirty="0">
-              <a:solidFill>
-                <a:schemeClr val="tx1"/>
-              </a:solidFill>
-              <a:cs typeface="+mn-ea"/>
-              <a:sym typeface="+mn-ea"/>
-            </a:endParaRPr>
           </a:p>
           <a:p>
             <a:pPr>
@@ -13525,32 +13146,32 @@
           <a:lstStyle/>
           <a:p>
             <a:r>
-              <a:rPr lang="zh-CN" altLang="en-US" dirty="0" smtClean="0"/>
+              <a:rPr lang="zh-CN" altLang="en-US" dirty="0"/>
               <a:t>引用数据类型的值（对象、</a:t>
             </a:r>
             <a:r>
-              <a:rPr lang="zh-CN" altLang="en-US" dirty="0" smtClean="0">
+              <a:rPr lang="zh-CN" altLang="en-US" dirty="0">
                 <a:sym typeface="+mn-ea"/>
               </a:rPr>
               <a:t>参考教程</a:t>
             </a:r>
             <a:r>
-              <a:rPr lang="en-US" altLang="zh-CN" dirty="0" smtClean="0">
+              <a:rPr lang="en-US" altLang="zh-CN" dirty="0">
                 <a:sym typeface="+mn-ea"/>
               </a:rPr>
               <a:t>8.2</a:t>
             </a:r>
             <a:r>
-              <a:rPr lang="zh-CN" altLang="en-US" dirty="0" smtClean="0">
+              <a:rPr lang="zh-CN" altLang="en-US" dirty="0">
                 <a:sym typeface="+mn-ea"/>
               </a:rPr>
               <a:t>节</a:t>
             </a:r>
             <a:r>
-              <a:rPr lang="zh-CN" altLang="en-US" dirty="0" smtClean="0"/>
+              <a:rPr lang="zh-CN" altLang="en-US" dirty="0"/>
               <a:t>）</a:t>
             </a:r>
-            <a:endParaRPr lang="en-US" altLang="zh-CN" dirty="0" smtClean="0"/>
+            <a:endParaRPr lang="en-US" altLang="zh-CN" dirty="0"/>
           </a:p>
         </p:txBody>
       </p:sp>
@@ -13597,13 +13218,6 @@
               </a:rPr>
               <a:t>demo09</a:t>
             </a:r>
-            <a:endParaRPr lang="en-US" altLang="zh-CN" sz="2200">
-              <a:solidFill>
-                <a:srgbClr val="FF0000"/>
-              </a:solidFill>
-              <a:latin typeface="+mn-ea"/>
-              <a:ea typeface="+mn-ea"/>
-            </a:endParaRPr>
           </a:p>
         </p:txBody>
       </p:sp>
@@ -13612,13 +13226,6 @@
   <p:clrMapOvr>
     <a:masterClrMapping/>
   </p:clrMapOvr>
-  <p:timing>
-    <p:tnLst>
-      <p:par>
-        <p:cTn id="1" dur="indefinite" restart="never" nodeType="tmRoot"/>
-      </p:par>
-    </p:tnLst>
-  </p:timing>
 </p:sld>
 </file>
 
@@ -13956,6 +13563,7 @@
       </a:lstStyle>
     </a:lnDef>
   </a:objectDefaults>
+  <a:extraClrSchemeLst/>
   <a:extLst>
     <a:ext uri="{05A4C25C-085E-4340-85A3-A5531E510DB2}">
       <thm15:themeFamily xmlns:thm15="http://schemas.microsoft.com/office/thememl/2012/main" name="Office Theme" id="{62F939B6-93AF-4DB8-9C6B-D6C7DFDC589F}" vid="{4A3C46E8-61CC-4603-A589-7422A47A8E4A}"/>
@@ -14242,6 +13850,8 @@
       </a:bgFillStyleLst>
     </a:fmtScheme>
   </a:themeElements>
+  <a:objectDefaults/>
+  <a:extraClrSchemeLst/>
   <a:extLst>
     <a:ext uri="{05A4C25C-085E-4340-85A3-A5531E510DB2}">
       <thm15:themeFamily xmlns:thm15="http://schemas.microsoft.com/office/thememl/2012/main" name="Office Theme" id="{62F939B6-93AF-4DB8-9C6B-D6C7DFDC589F}" vid="{4A3C46E8-61CC-4603-A589-7422A47A8E4A}"/>
